--- a/documentation/presentation.pptx
+++ b/documentation/presentation.pptx
@@ -6480,8 +6480,8 @@
         </p:nvSpPr>
         <p:spPr>
           <a:xfrm>
-            <a:off x="11201400" y="5885429"/>
-            <a:ext cx="4343400" cy="2687071"/>
+            <a:off x="11201400" y="5681505"/>
+            <a:ext cx="4343400" cy="2890995"/>
           </a:xfrm>
           <a:prstGeom prst="rect">
             <a:avLst/>
@@ -6512,8 +6512,8 @@
           <a:p>
             <a:pPr algn="ctr"/>
             <a:r>
-              <a:rPr lang="en-US" sz="3600" dirty="0"/>
-              <a:t>12</a:t>
+              <a:rPr lang="bg-BG" sz="3600" dirty="0"/>
+              <a:t>20</a:t>
             </a:r>
             <a:endParaRPr lang="en-US" dirty="0"/>
           </a:p>
